--- a/Introduction.pptx
+++ b/Introduction.pptx
@@ -107,6 +107,11 @@
       </a:defRPr>
     </a:lvl9pPr>
   </p:defaultTextStyle>
+  <p:extLst>
+    <p:ext uri="{EFAFB233-063F-42B5-8137-9DF3F51BA10A}">
+      <p15:sldGuideLst xmlns:p15="http://schemas.microsoft.com/office/powerpoint/2012/main"/>
+    </p:ext>
+  </p:extLst>
 </p:presentation>
 </file>
 
@@ -241,7 +246,7 @@
           <a:p>
             <a:fld id="{C3F69ABE-043B-474B-B643-08AA201585E6}" type="datetimeFigureOut">
               <a:rPr lang="pt-BR" smtClean="0"/>
-              <a:t>23/05/2020</a:t>
+              <a:t>30/05/2020</a:t>
             </a:fld>
             <a:endParaRPr lang="pt-BR"/>
           </a:p>
@@ -416,7 +421,7 @@
           <a:p>
             <a:fld id="{C3F69ABE-043B-474B-B643-08AA201585E6}" type="datetimeFigureOut">
               <a:rPr lang="pt-BR" smtClean="0"/>
-              <a:t>23/05/2020</a:t>
+              <a:t>30/05/2020</a:t>
             </a:fld>
             <a:endParaRPr lang="pt-BR"/>
           </a:p>
@@ -596,7 +601,7 @@
           <a:p>
             <a:fld id="{C3F69ABE-043B-474B-B643-08AA201585E6}" type="datetimeFigureOut">
               <a:rPr lang="pt-BR" smtClean="0"/>
-              <a:t>23/05/2020</a:t>
+              <a:t>30/05/2020</a:t>
             </a:fld>
             <a:endParaRPr lang="pt-BR"/>
           </a:p>
@@ -766,7 +771,7 @@
           <a:p>
             <a:fld id="{C3F69ABE-043B-474B-B643-08AA201585E6}" type="datetimeFigureOut">
               <a:rPr lang="pt-BR" smtClean="0"/>
-              <a:t>23/05/2020</a:t>
+              <a:t>30/05/2020</a:t>
             </a:fld>
             <a:endParaRPr lang="pt-BR"/>
           </a:p>
@@ -1012,7 +1017,7 @@
           <a:p>
             <a:fld id="{C3F69ABE-043B-474B-B643-08AA201585E6}" type="datetimeFigureOut">
               <a:rPr lang="pt-BR" smtClean="0"/>
-              <a:t>23/05/2020</a:t>
+              <a:t>30/05/2020</a:t>
             </a:fld>
             <a:endParaRPr lang="pt-BR"/>
           </a:p>
@@ -1244,7 +1249,7 @@
           <a:p>
             <a:fld id="{C3F69ABE-043B-474B-B643-08AA201585E6}" type="datetimeFigureOut">
               <a:rPr lang="pt-BR" smtClean="0"/>
-              <a:t>23/05/2020</a:t>
+              <a:t>30/05/2020</a:t>
             </a:fld>
             <a:endParaRPr lang="pt-BR"/>
           </a:p>
@@ -1611,7 +1616,7 @@
           <a:p>
             <a:fld id="{C3F69ABE-043B-474B-B643-08AA201585E6}" type="datetimeFigureOut">
               <a:rPr lang="pt-BR" smtClean="0"/>
-              <a:t>23/05/2020</a:t>
+              <a:t>30/05/2020</a:t>
             </a:fld>
             <a:endParaRPr lang="pt-BR"/>
           </a:p>
@@ -1729,7 +1734,7 @@
           <a:p>
             <a:fld id="{C3F69ABE-043B-474B-B643-08AA201585E6}" type="datetimeFigureOut">
               <a:rPr lang="pt-BR" smtClean="0"/>
-              <a:t>23/05/2020</a:t>
+              <a:t>30/05/2020</a:t>
             </a:fld>
             <a:endParaRPr lang="pt-BR"/>
           </a:p>
@@ -1824,7 +1829,7 @@
           <a:p>
             <a:fld id="{C3F69ABE-043B-474B-B643-08AA201585E6}" type="datetimeFigureOut">
               <a:rPr lang="pt-BR" smtClean="0"/>
-              <a:t>23/05/2020</a:t>
+              <a:t>30/05/2020</a:t>
             </a:fld>
             <a:endParaRPr lang="pt-BR"/>
           </a:p>
@@ -2106,7 +2111,7 @@
           <a:p>
             <a:fld id="{C3F69ABE-043B-474B-B643-08AA201585E6}" type="datetimeFigureOut">
               <a:rPr lang="pt-BR" smtClean="0"/>
-              <a:t>23/05/2020</a:t>
+              <a:t>30/05/2020</a:t>
             </a:fld>
             <a:endParaRPr lang="pt-BR"/>
           </a:p>
@@ -2364,7 +2369,7 @@
           <a:p>
             <a:fld id="{C3F69ABE-043B-474B-B643-08AA201585E6}" type="datetimeFigureOut">
               <a:rPr lang="pt-BR" smtClean="0"/>
-              <a:t>23/05/2020</a:t>
+              <a:t>30/05/2020</a:t>
             </a:fld>
             <a:endParaRPr lang="pt-BR"/>
           </a:p>
@@ -2577,7 +2582,7 @@
           <a:p>
             <a:fld id="{C3F69ABE-043B-474B-B643-08AA201585E6}" type="datetimeFigureOut">
               <a:rPr lang="pt-BR" smtClean="0"/>
-              <a:t>23/05/2020</a:t>
+              <a:t>30/05/2020</a:t>
             </a:fld>
             <a:endParaRPr lang="pt-BR"/>
           </a:p>
@@ -3019,6 +3024,52 @@
           </a:prstGeom>
         </p:spPr>
       </p:pic>
+      <p:sp>
+        <p:nvSpPr>
+          <p:cNvPr id="2" name="CaixaDeTexto 1"/>
+          <p:cNvSpPr txBox="1"/>
+          <p:nvPr/>
+        </p:nvSpPr>
+        <p:spPr>
+          <a:xfrm>
+            <a:off x="7015163" y="4257675"/>
+            <a:ext cx="3590150" cy="461665"/>
+          </a:xfrm>
+          <a:prstGeom prst="rect">
+            <a:avLst/>
+          </a:prstGeom>
+          <a:noFill/>
+        </p:spPr>
+        <p:txBody>
+          <a:bodyPr wrap="none" rtlCol="0">
+            <a:spAutoFit/>
+          </a:bodyPr>
+          <a:lstStyle/>
+          <a:p>
+            <a:r>
+              <a:rPr lang="pt-BR" sz="2400" dirty="0" err="1" smtClean="0">
+                <a:latin typeface="Arial" charset="0"/>
+                <a:ea typeface="Arial" charset="0"/>
+                <a:cs typeface="Arial" charset="0"/>
+              </a:rPr>
+              <a:t>By</a:t>
+            </a:r>
+            <a:r>
+              <a:rPr lang="pt-BR" sz="2400" dirty="0" smtClean="0">
+                <a:latin typeface="Arial" charset="0"/>
+                <a:ea typeface="Arial" charset="0"/>
+                <a:cs typeface="Arial" charset="0"/>
+              </a:rPr>
+              <a:t>: Gisele de Araújo Flor</a:t>
+            </a:r>
+            <a:endParaRPr lang="pt-BR" sz="2400" dirty="0">
+              <a:latin typeface="Arial" charset="0"/>
+              <a:ea typeface="Arial" charset="0"/>
+              <a:cs typeface="Arial" charset="0"/>
+            </a:endParaRPr>
+          </a:p>
+        </p:txBody>
+      </p:sp>
     </p:spTree>
     <p:extLst>
       <p:ext uri="{BB962C8B-B14F-4D97-AF65-F5344CB8AC3E}">
@@ -3074,34 +3125,67 @@
             <p:ph type="title"/>
           </p:nvPr>
         </p:nvSpPr>
-        <p:spPr/>
-        <p:txBody>
-          <a:bodyPr/>
-          <a:lstStyle/>
-          <a:p>
-            <a:endParaRPr lang="pt-BR"/>
-          </a:p>
-        </p:txBody>
-      </p:sp>
-      <p:sp>
-        <p:nvSpPr>
-          <p:cNvPr id="3" name="Espaço Reservado para Conteúdo 2"/>
-          <p:cNvSpPr>
-            <a:spLocks noGrp="1"/>
-          </p:cNvSpPr>
+        <p:spPr>
+          <a:xfrm>
+            <a:off x="838200" y="365125"/>
+            <a:ext cx="5476875" cy="1325563"/>
+          </a:xfrm>
+        </p:spPr>
+        <p:txBody>
+          <a:bodyPr/>
+          <a:lstStyle/>
+          <a:p>
+            <a:endParaRPr lang="pt-BR"/>
+          </a:p>
+        </p:txBody>
+      </p:sp>
+      <p:pic>
+        <p:nvPicPr>
+          <p:cNvPr id="4" name="Espaço Reservado para Conteúdo 3"/>
+          <p:cNvPicPr>
+            <a:picLocks noGrp="1" noChangeAspect="1"/>
+          </p:cNvPicPr>
           <p:nvPr>
             <p:ph idx="1"/>
           </p:nvPr>
-        </p:nvSpPr>
-        <p:spPr/>
-        <p:txBody>
-          <a:bodyPr/>
-          <a:lstStyle/>
-          <a:p>
-            <a:endParaRPr lang="pt-BR"/>
-          </a:p>
-        </p:txBody>
-      </p:sp>
+        </p:nvPicPr>
+        <p:blipFill rotWithShape="1">
+          <a:blip r:embed="rId2">
+            <a:duotone>
+              <a:schemeClr val="accent4">
+                <a:shade val="45000"/>
+                <a:satMod val="135000"/>
+              </a:schemeClr>
+              <a:prstClr val="white"/>
+            </a:duotone>
+            <a:extLst>
+              <a:ext uri="{BEBA8EAE-BF5A-486C-A8C5-ECC9F3942E4B}">
+                <a14:imgProps xmlns:a14="http://schemas.microsoft.com/office/drawing/2010/main">
+                  <a14:imgLayer r:embed="rId3">
+                    <a14:imgEffect>
+                      <a14:sharpenSoften amount="50000"/>
+                    </a14:imgEffect>
+                    <a14:imgEffect>
+                      <a14:brightnessContrast bright="40000" contrast="-40000"/>
+                    </a14:imgEffect>
+                  </a14:imgLayer>
+                </a14:imgProps>
+              </a:ext>
+              <a:ext uri="{28A0092B-C50C-407E-A947-70E740481C1C}">
+                <a14:useLocalDpi xmlns:a14="http://schemas.microsoft.com/office/drawing/2010/main" val="0"/>
+              </a:ext>
+            </a:extLst>
+          </a:blip>
+          <a:srcRect l="-10629" t="78" r="10629" b="-78"/>
+          <a:stretch/>
+        </p:blipFill>
+        <p:spPr>
+          <a:xfrm>
+            <a:off x="6815138" y="5360"/>
+            <a:ext cx="5376862" cy="6852640"/>
+          </a:xfrm>
+        </p:spPr>
+      </p:pic>
     </p:spTree>
     <p:extLst>
       <p:ext uri="{BB962C8B-B14F-4D97-AF65-F5344CB8AC3E}">
@@ -3157,34 +3241,82 @@
             <p:ph type="title"/>
           </p:nvPr>
         </p:nvSpPr>
-        <p:spPr/>
-        <p:txBody>
-          <a:bodyPr/>
-          <a:lstStyle/>
-          <a:p>
-            <a:endParaRPr lang="pt-BR"/>
-          </a:p>
-        </p:txBody>
-      </p:sp>
-      <p:sp>
-        <p:nvSpPr>
-          <p:cNvPr id="3" name="Espaço Reservado para Conteúdo 2"/>
-          <p:cNvSpPr>
-            <a:spLocks noGrp="1"/>
-          </p:cNvSpPr>
+        <p:spPr>
+          <a:xfrm>
+            <a:off x="838200" y="365125"/>
+            <a:ext cx="5705475" cy="1325563"/>
+          </a:xfrm>
+        </p:spPr>
+        <p:txBody>
+          <a:bodyPr/>
+          <a:lstStyle/>
+          <a:p>
+            <a:endParaRPr lang="pt-BR" dirty="0"/>
+          </a:p>
+        </p:txBody>
+      </p:sp>
+      <p:pic>
+        <p:nvPicPr>
+          <p:cNvPr id="4" name="Espaço Reservado para Conteúdo 3"/>
+          <p:cNvPicPr>
+            <a:picLocks noGrp="1" noChangeAspect="1"/>
+          </p:cNvPicPr>
           <p:nvPr>
             <p:ph idx="1"/>
           </p:nvPr>
-        </p:nvSpPr>
-        <p:spPr/>
-        <p:txBody>
-          <a:bodyPr/>
-          <a:lstStyle/>
-          <a:p>
-            <a:endParaRPr lang="pt-BR"/>
-          </a:p>
-        </p:txBody>
-      </p:sp>
+        </p:nvPicPr>
+        <p:blipFill>
+          <a:blip r:embed="rId2">
+            <a:clrChange>
+              <a:clrFrom>
+                <a:srgbClr val="AC8662"/>
+              </a:clrFrom>
+              <a:clrTo>
+                <a:srgbClr val="AC8662">
+                  <a:alpha val="0"/>
+                </a:srgbClr>
+              </a:clrTo>
+            </a:clrChange>
+            <a:alphaModFix/>
+            <a:duotone>
+              <a:schemeClr val="accent4">
+                <a:shade val="45000"/>
+                <a:satMod val="135000"/>
+              </a:schemeClr>
+              <a:prstClr val="white"/>
+            </a:duotone>
+            <a:extLst>
+              <a:ext uri="{BEBA8EAE-BF5A-486C-A8C5-ECC9F3942E4B}">
+                <a14:imgProps xmlns:a14="http://schemas.microsoft.com/office/drawing/2010/main">
+                  <a14:imgLayer r:embed="rId3">
+                    <a14:imgEffect>
+                      <a14:colorTemperature colorTemp="4700"/>
+                    </a14:imgEffect>
+                    <a14:imgEffect>
+                      <a14:saturation sat="400000"/>
+                    </a14:imgEffect>
+                    <a14:imgEffect>
+                      <a14:brightnessContrast bright="40000" contrast="-40000"/>
+                    </a14:imgEffect>
+                  </a14:imgLayer>
+                </a14:imgProps>
+              </a:ext>
+              <a:ext uri="{28A0092B-C50C-407E-A947-70E740481C1C}">
+                <a14:useLocalDpi xmlns:a14="http://schemas.microsoft.com/office/drawing/2010/main" val="0"/>
+              </a:ext>
+            </a:extLst>
+          </a:blip>
+          <a:stretch>
+            <a:fillRect/>
+          </a:stretch>
+        </p:blipFill>
+        <p:spPr>
+          <a:xfrm>
+            <a:off x="7589315" y="0"/>
+            <a:ext cx="4602685" cy="6858000"/>
+          </a:xfrm>
+        </p:spPr>
+      </p:pic>
     </p:spTree>
     <p:extLst>
       <p:ext uri="{BB962C8B-B14F-4D97-AF65-F5344CB8AC3E}">
